--- a/Želvja grafika_25.pptx
+++ b/Želvja grafika_25.pptx
@@ -838,7 +838,7 @@
           <a:p>
             <a:fld id="{0EA8C188-A830-4003-B04F-8C6564F9C27B}" type="datetimeFigureOut">
               <a:rPr lang="sl-SI" smtClean="0"/>
-              <a:t>20. 01. 2025</a:t>
+              <a:t>29. 01. 2025</a:t>
             </a:fld>
             <a:endParaRPr lang="sl-SI"/>
           </a:p>
@@ -1089,7 +1089,7 @@
           <a:p>
             <a:fld id="{0EA8C188-A830-4003-B04F-8C6564F9C27B}" type="datetimeFigureOut">
               <a:rPr lang="sl-SI" smtClean="0"/>
-              <a:t>20. 01. 2025</a:t>
+              <a:t>29. 01. 2025</a:t>
             </a:fld>
             <a:endParaRPr lang="sl-SI"/>
           </a:p>
@@ -1403,7 +1403,7 @@
           <a:p>
             <a:fld id="{0EA8C188-A830-4003-B04F-8C6564F9C27B}" type="datetimeFigureOut">
               <a:rPr lang="sl-SI" smtClean="0"/>
-              <a:t>20. 01. 2025</a:t>
+              <a:t>29. 01. 2025</a:t>
             </a:fld>
             <a:endParaRPr lang="sl-SI"/>
           </a:p>
@@ -1744,7 +1744,7 @@
           <a:p>
             <a:fld id="{0EA8C188-A830-4003-B04F-8C6564F9C27B}" type="datetimeFigureOut">
               <a:rPr lang="sl-SI" smtClean="0"/>
-              <a:t>20. 01. 2025</a:t>
+              <a:t>29. 01. 2025</a:t>
             </a:fld>
             <a:endParaRPr lang="sl-SI"/>
           </a:p>
@@ -2058,7 +2058,7 @@
           <a:p>
             <a:fld id="{0EA8C188-A830-4003-B04F-8C6564F9C27B}" type="datetimeFigureOut">
               <a:rPr lang="sl-SI" smtClean="0"/>
-              <a:t>20. 01. 2025</a:t>
+              <a:t>29. 01. 2025</a:t>
             </a:fld>
             <a:endParaRPr lang="sl-SI"/>
           </a:p>
@@ -2451,7 +2451,7 @@
           <a:p>
             <a:fld id="{0EA8C188-A830-4003-B04F-8C6564F9C27B}" type="datetimeFigureOut">
               <a:rPr lang="sl-SI" smtClean="0"/>
-              <a:t>20. 01. 2025</a:t>
+              <a:t>29. 01. 2025</a:t>
             </a:fld>
             <a:endParaRPr lang="sl-SI"/>
           </a:p>
@@ -2621,7 +2621,7 @@
           <a:p>
             <a:fld id="{0EA8C188-A830-4003-B04F-8C6564F9C27B}" type="datetimeFigureOut">
               <a:rPr lang="sl-SI" smtClean="0"/>
-              <a:t>20. 01. 2025</a:t>
+              <a:t>29. 01. 2025</a:t>
             </a:fld>
             <a:endParaRPr lang="sl-SI"/>
           </a:p>
@@ -2801,7 +2801,7 @@
           <a:p>
             <a:fld id="{0EA8C188-A830-4003-B04F-8C6564F9C27B}" type="datetimeFigureOut">
               <a:rPr lang="sl-SI" smtClean="0"/>
-              <a:t>20. 01. 2025</a:t>
+              <a:t>29. 01. 2025</a:t>
             </a:fld>
             <a:endParaRPr lang="sl-SI"/>
           </a:p>
@@ -2977,7 +2977,7 @@
           <a:p>
             <a:fld id="{0EA8C188-A830-4003-B04F-8C6564F9C27B}" type="datetimeFigureOut">
               <a:rPr lang="sl-SI" smtClean="0"/>
-              <a:t>20. 01. 2025</a:t>
+              <a:t>29. 01. 2025</a:t>
             </a:fld>
             <a:endParaRPr lang="sl-SI"/>
           </a:p>
@@ -3224,7 +3224,7 @@
           <a:p>
             <a:fld id="{0EA8C188-A830-4003-B04F-8C6564F9C27B}" type="datetimeFigureOut">
               <a:rPr lang="sl-SI" smtClean="0"/>
-              <a:t>20. 01. 2025</a:t>
+              <a:t>29. 01. 2025</a:t>
             </a:fld>
             <a:endParaRPr lang="sl-SI"/>
           </a:p>
@@ -3456,7 +3456,7 @@
           <a:p>
             <a:fld id="{0EA8C188-A830-4003-B04F-8C6564F9C27B}" type="datetimeFigureOut">
               <a:rPr lang="sl-SI" smtClean="0"/>
-              <a:t>20. 01. 2025</a:t>
+              <a:t>29. 01. 2025</a:t>
             </a:fld>
             <a:endParaRPr lang="sl-SI"/>
           </a:p>
@@ -3830,7 +3830,7 @@
           <a:p>
             <a:fld id="{0EA8C188-A830-4003-B04F-8C6564F9C27B}" type="datetimeFigureOut">
               <a:rPr lang="sl-SI" smtClean="0"/>
-              <a:t>20. 01. 2025</a:t>
+              <a:t>29. 01. 2025</a:t>
             </a:fld>
             <a:endParaRPr lang="sl-SI"/>
           </a:p>
@@ -3953,7 +3953,7 @@
           <a:p>
             <a:fld id="{0EA8C188-A830-4003-B04F-8C6564F9C27B}" type="datetimeFigureOut">
               <a:rPr lang="sl-SI" smtClean="0"/>
-              <a:t>20. 01. 2025</a:t>
+              <a:t>29. 01. 2025</a:t>
             </a:fld>
             <a:endParaRPr lang="sl-SI"/>
           </a:p>
@@ -4048,7 +4048,7 @@
           <a:p>
             <a:fld id="{0EA8C188-A830-4003-B04F-8C6564F9C27B}" type="datetimeFigureOut">
               <a:rPr lang="sl-SI" smtClean="0"/>
-              <a:t>20. 01. 2025</a:t>
+              <a:t>29. 01. 2025</a:t>
             </a:fld>
             <a:endParaRPr lang="sl-SI"/>
           </a:p>
@@ -4303,7 +4303,7 @@
           <a:p>
             <a:fld id="{0EA8C188-A830-4003-B04F-8C6564F9C27B}" type="datetimeFigureOut">
               <a:rPr lang="sl-SI" smtClean="0"/>
-              <a:t>20. 01. 2025</a:t>
+              <a:t>29. 01. 2025</a:t>
             </a:fld>
             <a:endParaRPr lang="sl-SI"/>
           </a:p>
@@ -4566,7 +4566,7 @@
           <a:p>
             <a:fld id="{0EA8C188-A830-4003-B04F-8C6564F9C27B}" type="datetimeFigureOut">
               <a:rPr lang="sl-SI" smtClean="0"/>
-              <a:t>20. 01. 2025</a:t>
+              <a:t>29. 01. 2025</a:t>
             </a:fld>
             <a:endParaRPr lang="sl-SI"/>
           </a:p>
@@ -5309,7 +5309,7 @@
           <a:p>
             <a:fld id="{0EA8C188-A830-4003-B04F-8C6564F9C27B}" type="datetimeFigureOut">
               <a:rPr lang="sl-SI" smtClean="0"/>
-              <a:t>20. 01. 2025</a:t>
+              <a:t>29. 01. 2025</a:t>
             </a:fld>
             <a:endParaRPr lang="sl-SI"/>
           </a:p>
@@ -5902,11 +5902,7 @@
           <a:p>
             <a:r>
               <a:rPr lang="sl-SI" sz="2800" dirty="0" smtClean="0"/>
-              <a:t>Kako narisat lepe sličice brez </a:t>
-            </a:r>
-            <a:r>
-              <a:rPr lang="sl-SI" sz="2800" dirty="0" smtClean="0"/>
-              <a:t>preveč matematike</a:t>
+              <a:t>Kako narisat lepe sličice brez preveč matematike</a:t>
             </a:r>
             <a:r>
               <a:rPr lang="sl-SI" sz="2800" dirty="0"/>
@@ -6065,7 +6061,6 @@
               <a:rPr lang="sl-SI" sz="2800" dirty="0" smtClean="0"/>
               <a:t>Mandale - rozete</a:t>
             </a:r>
-            <a:endParaRPr lang="sl-SI" sz="2800" dirty="0" smtClean="0"/>
           </a:p>
           <a:p>
             <a:pPr lvl="1"/>
@@ -6392,8 +6387,8 @@
         </p:nvSpPr>
         <p:spPr>
           <a:xfrm>
-            <a:off x="5088384" y="1389185"/>
-            <a:ext cx="4185617" cy="4652177"/>
+            <a:off x="4781726" y="1389185"/>
+            <a:ext cx="4492276" cy="4835446"/>
           </a:xfrm>
         </p:spPr>
         <p:txBody>
@@ -6403,78 +6398,123 @@
           <a:lstStyle/>
           <a:p>
             <a:r>
-              <a:rPr lang="sl-SI" sz="2800" dirty="0" smtClean="0"/>
+              <a:rPr lang="sl-SI" sz="2400" dirty="0" smtClean="0"/>
               <a:t>Program </a:t>
             </a:r>
             <a:r>
-              <a:rPr lang="sl-SI" sz="2800" dirty="0" err="1" smtClean="0"/>
+              <a:rPr lang="sl-SI" sz="2400" dirty="0" err="1" smtClean="0"/>
               <a:t>Thonny</a:t>
             </a:r>
             <a:r>
-              <a:rPr lang="sl-SI" sz="2800" dirty="0" smtClean="0"/>
-              <a:t> ali kar IDLE</a:t>
-            </a:r>
-          </a:p>
-          <a:p>
-            <a:r>
-              <a:rPr lang="sl-SI" sz="2800" dirty="0" smtClean="0"/>
-              <a:t>Vključitev modula </a:t>
-            </a:r>
-            <a:r>
-              <a:rPr lang="sl-SI" sz="2800" dirty="0" err="1" smtClean="0"/>
+              <a:rPr lang="sl-SI" sz="2400" dirty="0" smtClean="0"/>
+              <a:t> ali kar </a:t>
+            </a:r>
+            <a:r>
+              <a:rPr lang="sl-SI" sz="2400" dirty="0" smtClean="0"/>
+              <a:t>IDLE</a:t>
+            </a:r>
+          </a:p>
+          <a:p>
+            <a:r>
+              <a:rPr lang="sl-SI" sz="2400" dirty="0" smtClean="0">
+                <a:hlinkClick r:id="rId3"/>
+              </a:rPr>
+              <a:t>https</a:t>
+            </a:r>
+            <a:r>
+              <a:rPr lang="sl-SI" sz="2400" dirty="0">
+                <a:hlinkClick r:id="rId3"/>
+              </a:rPr>
+              <a:t>://</a:t>
+            </a:r>
+            <a:r>
+              <a:rPr lang="sl-SI" sz="2400" dirty="0" smtClean="0">
+                <a:hlinkClick r:id="rId3"/>
+              </a:rPr>
+              <a:t>lusy.fri.uni-lj.si/ucbenik/book/1201/index.html</a:t>
+            </a:r>
+            <a:endParaRPr lang="sl-SI" sz="2400" dirty="0" smtClean="0"/>
+          </a:p>
+          <a:p>
+            <a:r>
+              <a:rPr lang="sl-SI" sz="2400" dirty="0">
+                <a:hlinkClick r:id="rId4"/>
+              </a:rPr>
+              <a:t>https://www.w3schools.com/python</a:t>
+            </a:r>
+            <a:r>
+              <a:rPr lang="sl-SI" sz="2400" dirty="0" smtClean="0">
+                <a:hlinkClick r:id="rId4"/>
+              </a:rPr>
+              <a:t>/</a:t>
+            </a:r>
+            <a:endParaRPr lang="sl-SI" sz="2400" dirty="0" smtClean="0"/>
+          </a:p>
+          <a:p>
+            <a:r>
+              <a:rPr lang="sl-SI" sz="2400" dirty="0" smtClean="0"/>
+              <a:t>Zanke</a:t>
+            </a:r>
+            <a:r>
+              <a:rPr lang="sl-SI" sz="2400" dirty="0" smtClean="0"/>
+              <a:t>, </a:t>
+            </a:r>
+            <a:r>
+              <a:rPr lang="sl-SI" sz="2400" dirty="0" err="1" smtClean="0"/>
+              <a:t>if</a:t>
+            </a:r>
+            <a:r>
+              <a:rPr lang="sl-SI" sz="2400" dirty="0" smtClean="0"/>
+              <a:t> stavek, </a:t>
+            </a:r>
+            <a:r>
+              <a:rPr lang="sl-SI" sz="2400" dirty="0" smtClean="0"/>
+              <a:t>...</a:t>
+            </a:r>
+          </a:p>
+          <a:p>
+            <a:r>
+              <a:rPr lang="sl-SI" sz="2400" dirty="0" err="1"/>
+              <a:t>from</a:t>
+            </a:r>
+            <a:r>
+              <a:rPr lang="sl-SI" sz="2400" dirty="0"/>
+              <a:t> </a:t>
+            </a:r>
+            <a:r>
+              <a:rPr lang="sl-SI" sz="2400" dirty="0" err="1"/>
               <a:t>tkinter</a:t>
             </a:r>
             <a:r>
-              <a:rPr lang="sl-SI" sz="2800" dirty="0"/>
-              <a:t/>
-            </a:r>
-            <a:br>
-              <a:rPr lang="sl-SI" sz="2800" dirty="0"/>
-            </a:br>
-            <a:r>
-              <a:rPr lang="sl-SI" sz="2800" dirty="0" err="1"/>
-              <a:t>from</a:t>
-            </a:r>
-            <a:r>
-              <a:rPr lang="sl-SI" sz="2800" dirty="0"/>
-              <a:t> </a:t>
-            </a:r>
-            <a:r>
-              <a:rPr lang="sl-SI" sz="2800" dirty="0" err="1"/>
-              <a:t>tkinter</a:t>
-            </a:r>
-            <a:r>
-              <a:rPr lang="sl-SI" sz="2800" dirty="0"/>
+              <a:rPr lang="sl-SI" sz="2400" dirty="0"/>
               <a:t> import </a:t>
             </a:r>
             <a:r>
-              <a:rPr lang="sl-SI" sz="2800" dirty="0" smtClean="0"/>
+              <a:rPr lang="sl-SI" sz="2400" dirty="0" smtClean="0"/>
               <a:t>*</a:t>
             </a:r>
-          </a:p>
-          <a:p>
-            <a:r>
-              <a:rPr lang="sl-SI" sz="2800" dirty="0" smtClean="0"/>
-              <a:t>Zanke, </a:t>
-            </a:r>
-            <a:r>
-              <a:rPr lang="sl-SI" sz="2800" dirty="0" err="1" smtClean="0"/>
-              <a:t>if</a:t>
-            </a:r>
-            <a:r>
-              <a:rPr lang="sl-SI" sz="2800" dirty="0" smtClean="0"/>
-              <a:t> stavek, ...</a:t>
-            </a:r>
-          </a:p>
-          <a:p>
-            <a:r>
-              <a:rPr lang="sl-SI" sz="2400" dirty="0"/>
-              <a:t>https://docs.python.org/3/library/turtle.html</a:t>
-            </a:r>
             <a:endParaRPr lang="sl-SI" sz="2400" dirty="0" smtClean="0"/>
           </a:p>
           <a:p>
-            <a:endParaRPr lang="sl-SI" sz="2800" dirty="0"/>
+            <a:r>
+              <a:rPr lang="sl-SI" sz="2000" dirty="0">
+                <a:hlinkClick r:id="rId5"/>
+              </a:rPr>
+              <a:t>https://</a:t>
+            </a:r>
+            <a:r>
+              <a:rPr lang="sl-SI" sz="2000" dirty="0" smtClean="0">
+                <a:hlinkClick r:id="rId5"/>
+              </a:rPr>
+              <a:t>docs.python.org/3/library/turtle.html</a:t>
+            </a:r>
+            <a:endParaRPr lang="sl-SI" sz="2000" dirty="0" smtClean="0"/>
+          </a:p>
+          <a:p>
+            <a:endParaRPr lang="sl-SI" sz="2000" dirty="0" smtClean="0"/>
+          </a:p>
+          <a:p>
+            <a:endParaRPr lang="sl-SI" sz="2400" dirty="0"/>
           </a:p>
         </p:txBody>
       </p:sp>
